--- a/Car Price Analysis and Predictive Model.pptx
+++ b/Car Price Analysis and Predictive Model.pptx
@@ -1368,7 +1368,7 @@
         </p:nvSpPr>
         <p:spPr>
           <a:xfrm>
-            <a:off x="381300" y="685800"/>
+            <a:off x="381000" y="685800"/>
             <a:ext cx="6096000" cy="3429000"/>
           </a:xfrm>
           <a:custGeom>
@@ -10477,31 +10477,24 @@
               <a:buNone/>
             </a:pPr>
             <a:r>
-              <a:rPr lang="en" sz="1100" u="sng">
-                <a:solidFill>
-                  <a:schemeClr val="hlink"/>
-                </a:solidFill>
+              <a:rPr lang="en-US" sz="1100" dirty="0">
                 <a:hlinkClick r:id="rId3"/>
               </a:rPr>
-              <a:t>JaredBarnes6/wine_quality_capstone: Creating a predictive model to determine the quality of wine given a number of wine features. This process involved data cleaning, visualization, feature correlation analysis and engineering, comparing different machine learning algorithms and their models, cross validation and error analysis. (github.com)</a:t>
+              <a:t>JaredBarnes6/</a:t>
             </a:r>
-            <a:endParaRPr sz="1400">
-              <a:solidFill>
-                <a:srgbClr val="000000"/>
-              </a:solidFill>
-            </a:endParaRPr>
-          </a:p>
-          <a:p>
-            <a:pPr marL="0" lvl="0" indent="0" algn="l" rtl="0">
-              <a:spcBef>
-                <a:spcPts val="0"/>
-              </a:spcBef>
-              <a:spcAft>
-                <a:spcPts val="1200"/>
-              </a:spcAft>
-              <a:buNone/>
-            </a:pPr>
-            <a:endParaRPr/>
+            <a:r>
+              <a:rPr lang="en-US" sz="1100" dirty="0" err="1">
+                <a:hlinkClick r:id="rId3"/>
+              </a:rPr>
+              <a:t>car_price_determination_capstone</a:t>
+            </a:r>
+            <a:r>
+              <a:rPr lang="en-US" sz="1100" dirty="0">
+                <a:hlinkClick r:id="rId3"/>
+              </a:rPr>
+              <a:t>: This project involves creating a regression model to determine the market value of cars, given their features. I also determine the top features of cars that lead to highest market value. (github.com)</a:t>
+            </a:r>
+            <a:endParaRPr dirty="0"/>
           </a:p>
         </p:txBody>
       </p:sp>
